--- a/images/rancher-architecture-diagram.pptx
+++ b/images/rancher-architecture-diagram.pptx
@@ -243,7 +243,7 @@
           <a:p>
             <a:fld id="{6244D3B9-4146-964F-9E7E-473F62F24AD4}" type="datetimeFigureOut">
               <a:rPr lang="en-US" smtClean="0"/>
-              <a:t>1/5/2021</a:t>
+              <a:t>1/30/2021</a:t>
             </a:fld>
             <a:endParaRPr lang="en-US"/>
           </a:p>
@@ -413,7 +413,7 @@
           <a:p>
             <a:fld id="{6244D3B9-4146-964F-9E7E-473F62F24AD4}" type="datetimeFigureOut">
               <a:rPr lang="en-US" smtClean="0"/>
-              <a:t>1/5/2021</a:t>
+              <a:t>1/30/2021</a:t>
             </a:fld>
             <a:endParaRPr lang="en-US"/>
           </a:p>
@@ -593,7 +593,7 @@
           <a:p>
             <a:fld id="{6244D3B9-4146-964F-9E7E-473F62F24AD4}" type="datetimeFigureOut">
               <a:rPr lang="en-US" smtClean="0"/>
-              <a:t>1/5/2021</a:t>
+              <a:t>1/30/2021</a:t>
             </a:fld>
             <a:endParaRPr lang="en-US"/>
           </a:p>
@@ -763,7 +763,7 @@
           <a:p>
             <a:fld id="{6244D3B9-4146-964F-9E7E-473F62F24AD4}" type="datetimeFigureOut">
               <a:rPr lang="en-US" smtClean="0"/>
-              <a:t>1/5/2021</a:t>
+              <a:t>1/30/2021</a:t>
             </a:fld>
             <a:endParaRPr lang="en-US"/>
           </a:p>
@@ -1009,7 +1009,7 @@
           <a:p>
             <a:fld id="{6244D3B9-4146-964F-9E7E-473F62F24AD4}" type="datetimeFigureOut">
               <a:rPr lang="en-US" smtClean="0"/>
-              <a:t>1/5/2021</a:t>
+              <a:t>1/30/2021</a:t>
             </a:fld>
             <a:endParaRPr lang="en-US"/>
           </a:p>
@@ -1241,7 +1241,7 @@
           <a:p>
             <a:fld id="{6244D3B9-4146-964F-9E7E-473F62F24AD4}" type="datetimeFigureOut">
               <a:rPr lang="en-US" smtClean="0"/>
-              <a:t>1/5/2021</a:t>
+              <a:t>1/30/2021</a:t>
             </a:fld>
             <a:endParaRPr lang="en-US"/>
           </a:p>
@@ -1608,7 +1608,7 @@
           <a:p>
             <a:fld id="{6244D3B9-4146-964F-9E7E-473F62F24AD4}" type="datetimeFigureOut">
               <a:rPr lang="en-US" smtClean="0"/>
-              <a:t>1/5/2021</a:t>
+              <a:t>1/30/2021</a:t>
             </a:fld>
             <a:endParaRPr lang="en-US"/>
           </a:p>
@@ -1726,7 +1726,7 @@
           <a:p>
             <a:fld id="{6244D3B9-4146-964F-9E7E-473F62F24AD4}" type="datetimeFigureOut">
               <a:rPr lang="en-US" smtClean="0"/>
-              <a:t>1/5/2021</a:t>
+              <a:t>1/30/2021</a:t>
             </a:fld>
             <a:endParaRPr lang="en-US"/>
           </a:p>
@@ -1821,7 +1821,7 @@
           <a:p>
             <a:fld id="{6244D3B9-4146-964F-9E7E-473F62F24AD4}" type="datetimeFigureOut">
               <a:rPr lang="en-US" smtClean="0"/>
-              <a:t>1/5/2021</a:t>
+              <a:t>1/30/2021</a:t>
             </a:fld>
             <a:endParaRPr lang="en-US"/>
           </a:p>
@@ -2098,7 +2098,7 @@
           <a:p>
             <a:fld id="{6244D3B9-4146-964F-9E7E-473F62F24AD4}" type="datetimeFigureOut">
               <a:rPr lang="en-US" smtClean="0"/>
-              <a:t>1/5/2021</a:t>
+              <a:t>1/30/2021</a:t>
             </a:fld>
             <a:endParaRPr lang="en-US"/>
           </a:p>
@@ -2355,7 +2355,7 @@
           <a:p>
             <a:fld id="{6244D3B9-4146-964F-9E7E-473F62F24AD4}" type="datetimeFigureOut">
               <a:rPr lang="en-US" smtClean="0"/>
-              <a:t>1/5/2021</a:t>
+              <a:t>1/30/2021</a:t>
             </a:fld>
             <a:endParaRPr lang="en-US"/>
           </a:p>
@@ -2568,7 +2568,7 @@
           <a:p>
             <a:fld id="{6244D3B9-4146-964F-9E7E-473F62F24AD4}" type="datetimeFigureOut">
               <a:rPr lang="en-US" smtClean="0"/>
-              <a:t>1/5/2021</a:t>
+              <a:t>1/30/2021</a:t>
             </a:fld>
             <a:endParaRPr lang="en-US"/>
           </a:p>
@@ -2987,8 +2987,8 @@
         </p:nvSpPr>
         <p:spPr>
           <a:xfrm>
-            <a:off x="7498081" y="1554798"/>
-            <a:ext cx="1737360" cy="2194560"/>
+            <a:off x="7498080" y="3840480"/>
+            <a:ext cx="1737360" cy="1645920"/>
           </a:xfrm>
           <a:prstGeom prst="rect">
             <a:avLst/>
@@ -3059,8 +3059,8 @@
         </p:nvSpPr>
         <p:spPr>
           <a:xfrm>
-            <a:off x="5212080" y="3840480"/>
-            <a:ext cx="1737360" cy="1645920"/>
+            <a:off x="5212080" y="1554480"/>
+            <a:ext cx="1737360" cy="2194560"/>
           </a:xfrm>
           <a:prstGeom prst="rect">
             <a:avLst/>
@@ -3131,8 +3131,8 @@
         </p:nvSpPr>
         <p:spPr>
           <a:xfrm>
-            <a:off x="5212081" y="1554798"/>
-            <a:ext cx="1737360" cy="2194560"/>
+            <a:off x="5212080" y="3840480"/>
+            <a:ext cx="1737360" cy="1645920"/>
           </a:xfrm>
           <a:prstGeom prst="rect">
             <a:avLst/>
@@ -3203,8 +3203,8 @@
         </p:nvSpPr>
         <p:spPr>
           <a:xfrm>
-            <a:off x="7498081" y="3840798"/>
-            <a:ext cx="1737360" cy="1645920"/>
+            <a:off x="7498080" y="1554480"/>
+            <a:ext cx="1737360" cy="2194560"/>
           </a:xfrm>
           <a:prstGeom prst="rect">
             <a:avLst/>
@@ -3275,8 +3275,8 @@
         </p:nvSpPr>
         <p:spPr>
           <a:xfrm>
-            <a:off x="1645921" y="1554798"/>
-            <a:ext cx="1737360" cy="2194560"/>
+            <a:off x="1645920" y="3840480"/>
+            <a:ext cx="1737360" cy="1645920"/>
           </a:xfrm>
           <a:prstGeom prst="rect">
             <a:avLst/>
@@ -3463,8 +3463,8 @@
         </p:nvSpPr>
         <p:spPr>
           <a:xfrm>
-            <a:off x="1645921" y="3840798"/>
-            <a:ext cx="1737360" cy="1645920"/>
+            <a:off x="1645920" y="1554480"/>
+            <a:ext cx="1737360" cy="2194560"/>
           </a:xfrm>
           <a:prstGeom prst="rect">
             <a:avLst/>
@@ -3778,7 +3778,7 @@
           <a:blip r:embed="rId2">
             <a:extLst>
               <a:ext uri="{96DAC541-7B7A-43D3-8B79-37D633B846F1}">
-                <asvg:svgBlip xmlns:asvg="http://schemas.microsoft.com/office/drawing/2016/SVG/main" xmlns="" r:embed="rId8"/>
+                <asvg:svgBlip xmlns="" xmlns:asvg="http://schemas.microsoft.com/office/drawing/2016/SVG/main" r:embed="rId8"/>
               </a:ext>
             </a:extLst>
           </a:blip>
@@ -3814,7 +3814,7 @@
           <a:blip r:embed="rId9">
             <a:extLst>
               <a:ext uri="{96DAC541-7B7A-43D3-8B79-37D633B846F1}">
-                <asvg:svgBlip xmlns:asvg="http://schemas.microsoft.com/office/drawing/2016/SVG/main" xmlns="" r:embed="rId10"/>
+                <asvg:svgBlip xmlns="" xmlns:asvg="http://schemas.microsoft.com/office/drawing/2016/SVG/main" r:embed="rId10"/>
               </a:ext>
             </a:extLst>
           </a:blip>
@@ -4309,73 +4309,6 @@
       </p:sp>
       <p:pic>
         <p:nvPicPr>
-          <p:cNvPr id="21" name="Picture 20"/>
-          <p:cNvPicPr>
-            <a:picLocks noChangeAspect="1"/>
-          </p:cNvPicPr>
-          <p:nvPr/>
-        </p:nvPicPr>
-        <p:blipFill>
-          <a:blip r:embed="rId11"/>
-          <a:stretch>
-            <a:fillRect/>
-          </a:stretch>
-        </p:blipFill>
-        <p:spPr>
-          <a:xfrm>
-            <a:off x="9990773" y="2286318"/>
-            <a:ext cx="714375" cy="523875"/>
-          </a:xfrm>
-          <a:prstGeom prst="rect">
-            <a:avLst/>
-          </a:prstGeom>
-        </p:spPr>
-      </p:pic>
-      <p:sp>
-        <p:nvSpPr>
-          <p:cNvPr id="65" name="TextBox 64">
-            <a:extLst>
-              <a:ext uri="{FF2B5EF4-FFF2-40B4-BE49-F238E27FC236}">
-                <a16:creationId xmlns:a16="http://schemas.microsoft.com/office/drawing/2014/main" id="{9E9D58F1-A137-2F4D-8F00-7CC13271B94B}"/>
-              </a:ext>
-            </a:extLst>
-          </p:cNvPr>
-          <p:cNvSpPr txBox="1"/>
-          <p:nvPr/>
-        </p:nvSpPr>
-        <p:spPr>
-          <a:xfrm>
-            <a:off x="9875521" y="2834958"/>
-            <a:ext cx="914400" cy="310896"/>
-          </a:xfrm>
-          <a:prstGeom prst="rect">
-            <a:avLst/>
-          </a:prstGeom>
-          <a:noFill/>
-        </p:spPr>
-        <p:txBody>
-          <a:bodyPr wrap="square" rtlCol="0">
-            <a:spAutoFit/>
-          </a:bodyPr>
-          <a:lstStyle/>
-          <a:p>
-            <a:pPr algn="ctr"/>
-            <a:r>
-              <a:rPr lang="en-US" sz="1400" smtClean="0">
-                <a:latin typeface="Arial" panose="020B0604020202020204" pitchFamily="34" charset="0"/>
-                <a:cs typeface="Arial" panose="020B0604020202020204" pitchFamily="34" charset="0"/>
-              </a:rPr>
-              <a:t>Rancher</a:t>
-            </a:r>
-            <a:endParaRPr lang="en-US" sz="1200" dirty="0">
-              <a:latin typeface="Arial" panose="020B0604020202020204" pitchFamily="34" charset="0"/>
-              <a:cs typeface="Arial" panose="020B0604020202020204" pitchFamily="34" charset="0"/>
-            </a:endParaRPr>
-          </a:p>
-        </p:txBody>
-      </p:sp>
-      <p:pic>
-        <p:nvPicPr>
           <p:cNvPr id="58" name="Graphic 35">
             <a:extLst>
               <a:ext uri="{FF2B5EF4-FFF2-40B4-BE49-F238E27FC236}">
@@ -4389,7 +4322,7 @@
           <p:nvPr/>
         </p:nvPicPr>
         <p:blipFill>
-          <a:blip r:embed="rId12">
+          <a:blip r:embed="rId11">
             <a:extLst>
               <a:ext uri="{28A0092B-C50C-407E-A947-70E740481C1C}">
                 <a14:useLocalDpi xmlns:a14="http://schemas.microsoft.com/office/drawing/2010/main" val="0"/>
@@ -4449,7 +4382,7 @@
           <p:nvPr/>
         </p:nvPicPr>
         <p:blipFill>
-          <a:blip r:embed="rId12">
+          <a:blip r:embed="rId11">
             <a:extLst>
               <a:ext uri="{28A0092B-C50C-407E-A947-70E740481C1C}">
                 <a14:useLocalDpi xmlns:a14="http://schemas.microsoft.com/office/drawing/2010/main" val="0"/>
@@ -4509,7 +4442,7 @@
           <p:nvPr/>
         </p:nvPicPr>
         <p:blipFill>
-          <a:blip r:embed="rId12">
+          <a:blip r:embed="rId11">
             <a:extLst>
               <a:ext uri="{28A0092B-C50C-407E-A947-70E740481C1C}">
                 <a14:useLocalDpi xmlns:a14="http://schemas.microsoft.com/office/drawing/2010/main" val="0"/>
@@ -4569,7 +4502,7 @@
           <p:nvPr/>
         </p:nvPicPr>
         <p:blipFill>
-          <a:blip r:embed="rId13">
+          <a:blip r:embed="rId12">
             <a:extLst>
               <a:ext uri="{28A0092B-C50C-407E-A947-70E740481C1C}">
                 <a14:useLocalDpi xmlns:a14="http://schemas.microsoft.com/office/drawing/2010/main" val="0"/>
@@ -4629,11 +4562,11 @@
           <p:nvPr/>
         </p:nvPicPr>
         <p:blipFill>
-          <a:blip r:embed="rId14">
+          <a:blip r:embed="rId13">
             <a:extLst>
               <a:ext uri="{BEBA8EAE-BF5A-486C-A8C5-ECC9F3942E4B}">
                 <a14:imgProps xmlns:a14="http://schemas.microsoft.com/office/drawing/2010/main">
-                  <a14:imgLayer r:embed="rId15">
+                  <a14:imgLayer r:embed="rId14">
                     <a14:imgEffect>
                       <a14:artisticBlur/>
                     </a14:imgEffect>
@@ -4698,11 +4631,11 @@
           <p:nvPr/>
         </p:nvPicPr>
         <p:blipFill>
-          <a:blip r:embed="rId14">
+          <a:blip r:embed="rId13">
             <a:extLst>
               <a:ext uri="{BEBA8EAE-BF5A-486C-A8C5-ECC9F3942E4B}">
                 <a14:imgProps xmlns:a14="http://schemas.microsoft.com/office/drawing/2010/main">
-                  <a14:imgLayer r:embed="rId15">
+                  <a14:imgLayer r:embed="rId14">
                     <a14:imgEffect>
                       <a14:artisticBlur/>
                     </a14:imgEffect>
@@ -4883,7 +4816,7 @@
           <p:nvPr/>
         </p:nvPicPr>
         <p:blipFill>
-          <a:blip r:embed="rId16">
+          <a:blip r:embed="rId15">
             <a:extLst>
               <a:ext uri="{28A0092B-C50C-407E-A947-70E740481C1C}">
                 <a14:useLocalDpi xmlns:a14="http://schemas.microsoft.com/office/drawing/2010/main" val="0"/>
@@ -4943,7 +4876,7 @@
           <p:nvPr/>
         </p:nvPicPr>
         <p:blipFill>
-          <a:blip r:embed="rId16">
+          <a:blip r:embed="rId15">
             <a:extLst>
               <a:ext uri="{28A0092B-C50C-407E-A947-70E740481C1C}">
                 <a14:useLocalDpi xmlns:a14="http://schemas.microsoft.com/office/drawing/2010/main" val="0"/>
@@ -5003,7 +4936,7 @@
           <p:nvPr/>
         </p:nvPicPr>
         <p:blipFill>
-          <a:blip r:embed="rId17">
+          <a:blip r:embed="rId16">
             <a:extLst>
               <a:ext uri="{28A0092B-C50C-407E-A947-70E740481C1C}">
                 <a14:useLocalDpi xmlns:a14="http://schemas.microsoft.com/office/drawing/2010/main" val="0"/>
@@ -5063,7 +4996,7 @@
           <p:nvPr/>
         </p:nvPicPr>
         <p:blipFill>
-          <a:blip r:embed="rId17">
+          <a:blip r:embed="rId16">
             <a:extLst>
               <a:ext uri="{28A0092B-C50C-407E-A947-70E740481C1C}">
                 <a14:useLocalDpi xmlns:a14="http://schemas.microsoft.com/office/drawing/2010/main" val="0"/>
@@ -5123,7 +5056,7 @@
           <p:nvPr/>
         </p:nvPicPr>
         <p:blipFill>
-          <a:blip r:embed="rId17">
+          <a:blip r:embed="rId16">
             <a:extLst>
               <a:ext uri="{28A0092B-C50C-407E-A947-70E740481C1C}">
                 <a14:useLocalDpi xmlns:a14="http://schemas.microsoft.com/office/drawing/2010/main" val="0"/>
@@ -5183,7 +5116,7 @@
           <p:nvPr/>
         </p:nvPicPr>
         <p:blipFill>
-          <a:blip r:embed="rId18">
+          <a:blip r:embed="rId17">
             <a:extLst>
               <a:ext uri="{28A0092B-C50C-407E-A947-70E740481C1C}">
                 <a14:useLocalDpi xmlns:a14="http://schemas.microsoft.com/office/drawing/2010/main" val="0"/>
@@ -5415,7 +5348,7 @@
           <p:nvPr/>
         </p:nvPicPr>
         <p:blipFill>
-          <a:blip r:embed="rId19">
+          <a:blip r:embed="rId18">
             <a:extLst>
               <a:ext uri="{28A0092B-C50C-407E-A947-70E740481C1C}">
                 <a14:useLocalDpi xmlns:a14="http://schemas.microsoft.com/office/drawing/2010/main" val="0"/>
@@ -5476,7 +5409,7 @@
         </p:nvSpPr>
         <p:spPr bwMode="auto">
           <a:xfrm>
-            <a:off x="11266171" y="5011251"/>
+            <a:off x="11271339" y="5008881"/>
             <a:ext cx="1626058" cy="307975"/>
           </a:xfrm>
           <a:prstGeom prst="rect">
@@ -5621,6 +5554,66 @@
           </a:p>
         </p:txBody>
       </p:sp>
+      <p:pic>
+        <p:nvPicPr>
+          <p:cNvPr id="85" name="Graphic 15">
+            <a:extLst>
+              <a:ext uri="{FF2B5EF4-FFF2-40B4-BE49-F238E27FC236}">
+                <a16:creationId xmlns:a16="http://schemas.microsoft.com/office/drawing/2014/main" id="{3A010F8A-DF9B-CA43-8D41-3A122544E272}"/>
+              </a:ext>
+            </a:extLst>
+          </p:cNvPr>
+          <p:cNvPicPr>
+            <a:picLocks noChangeAspect="1" noChangeArrowheads="1"/>
+          </p:cNvPicPr>
+          <p:nvPr/>
+        </p:nvPicPr>
+        <p:blipFill>
+          <a:blip r:embed="rId19">
+            <a:extLst>
+              <a:ext uri="{28A0092B-C50C-407E-A947-70E740481C1C}">
+                <a14:useLocalDpi xmlns:a14="http://schemas.microsoft.com/office/drawing/2010/main" val="0"/>
+              </a:ext>
+            </a:extLst>
+          </a:blip>
+          <a:srcRect/>
+          <a:stretch>
+            <a:fillRect/>
+          </a:stretch>
+        </p:blipFill>
+        <p:spPr bwMode="auto">
+          <a:xfrm>
+            <a:off x="11704320" y="2265658"/>
+            <a:ext cx="762000" cy="762000"/>
+          </a:xfrm>
+          <a:prstGeom prst="rect">
+            <a:avLst/>
+          </a:prstGeom>
+          <a:noFill/>
+          <a:ln>
+            <a:noFill/>
+          </a:ln>
+          <a:extLst>
+            <a:ext uri="{909E8E84-426E-40DD-AFC4-6F175D3DCCD1}">
+              <a14:hiddenFill xmlns:a14="http://schemas.microsoft.com/office/drawing/2010/main">
+                <a:solidFill>
+                  <a:srgbClr val="FFFFFF"/>
+                </a:solidFill>
+              </a14:hiddenFill>
+            </a:ext>
+            <a:ext uri="{91240B29-F687-4F45-9708-019B960494DF}">
+              <a14:hiddenLine xmlns:a14="http://schemas.microsoft.com/office/drawing/2010/main" w="9525">
+                <a:solidFill>
+                  <a:srgbClr val="000000"/>
+                </a:solidFill>
+                <a:miter lim="800000"/>
+                <a:headEnd/>
+                <a:tailEnd/>
+              </a14:hiddenLine>
+            </a:ext>
+          </a:extLst>
+        </p:spPr>
+      </p:pic>
       <p:sp>
         <p:nvSpPr>
           <p:cNvPr id="86" name="TextBox 11">
@@ -5637,8 +5630,8 @@
         </p:nvSpPr>
         <p:spPr bwMode="auto">
           <a:xfrm>
-            <a:off x="11404918" y="2962275"/>
-            <a:ext cx="1358582" cy="541826"/>
+            <a:off x="11409681" y="3031066"/>
+            <a:ext cx="1349375" cy="523220"/>
           </a:xfrm>
           <a:prstGeom prst="rect">
             <a:avLst/>
@@ -5824,7 +5817,7 @@
         </p:blipFill>
         <p:spPr bwMode="auto">
           <a:xfrm>
-            <a:off x="1645921" y="3840798"/>
+            <a:off x="1645920" y="1554480"/>
             <a:ext cx="274638" cy="274638"/>
           </a:xfrm>
           <a:prstGeom prst="rect">
@@ -5884,7 +5877,7 @@
         </p:blipFill>
         <p:spPr bwMode="auto">
           <a:xfrm>
-            <a:off x="1645921" y="1554798"/>
+            <a:off x="1645920" y="3840480"/>
             <a:ext cx="274637" cy="274638"/>
           </a:xfrm>
           <a:prstGeom prst="rect">
@@ -5990,7 +5983,7 @@
         </p:blipFill>
         <p:spPr bwMode="auto">
           <a:xfrm>
-            <a:off x="5212080" y="3867095"/>
+            <a:off x="5212080" y="1554480"/>
             <a:ext cx="274638" cy="274638"/>
           </a:xfrm>
           <a:prstGeom prst="rect">
@@ -6050,7 +6043,7 @@
         </p:blipFill>
         <p:spPr bwMode="auto">
           <a:xfrm>
-            <a:off x="5212081" y="1554798"/>
+            <a:off x="5212080" y="3840480"/>
             <a:ext cx="274637" cy="274638"/>
           </a:xfrm>
           <a:prstGeom prst="rect">
@@ -6110,7 +6103,7 @@
         </p:blipFill>
         <p:spPr bwMode="auto">
           <a:xfrm>
-            <a:off x="7487030" y="3840798"/>
+            <a:off x="7498080" y="1554480"/>
             <a:ext cx="274638" cy="274638"/>
           </a:xfrm>
           <a:prstGeom prst="rect">
@@ -6170,7 +6163,7 @@
         </p:blipFill>
         <p:spPr bwMode="auto">
           <a:xfrm>
-            <a:off x="7487030" y="1554798"/>
+            <a:off x="7498080" y="3840480"/>
             <a:ext cx="274637" cy="274638"/>
           </a:xfrm>
           <a:prstGeom prst="rect">
@@ -6203,15 +6196,9 @@
       </p:pic>
       <p:pic>
         <p:nvPicPr>
-          <p:cNvPr id="52" name="Graphic 15">
-            <a:extLst>
-              <a:ext uri="{FF2B5EF4-FFF2-40B4-BE49-F238E27FC236}">
-                <a16:creationId xmlns:a16="http://schemas.microsoft.com/office/drawing/2014/main" id="{3A010F8A-DF9B-CA43-8D41-3A122544E272}"/>
-              </a:ext>
-            </a:extLst>
-          </p:cNvPr>
+          <p:cNvPr id="3" name="Picture 2"/>
           <p:cNvPicPr>
-            <a:picLocks noChangeAspect="1" noChangeArrowheads="1"/>
+            <a:picLocks noChangeAspect="1"/>
           </p:cNvPicPr>
           <p:nvPr/>
         </p:nvPicPr>
@@ -6223,42 +6210,18 @@
               </a:ext>
             </a:extLst>
           </a:blip>
-          <a:srcRect/>
           <a:stretch>
             <a:fillRect/>
           </a:stretch>
         </p:blipFill>
-        <p:spPr bwMode="auto">
-          <a:xfrm>
-            <a:off x="11704320" y="2194560"/>
-            <a:ext cx="762000" cy="762000"/>
+        <p:spPr>
+          <a:xfrm>
+            <a:off x="9890205" y="2420429"/>
+            <a:ext cx="914402" cy="463297"/>
           </a:xfrm>
           <a:prstGeom prst="rect">
             <a:avLst/>
           </a:prstGeom>
-          <a:noFill/>
-          <a:ln>
-            <a:noFill/>
-          </a:ln>
-          <a:extLst>
-            <a:ext uri="{909E8E84-426E-40DD-AFC4-6F175D3DCCD1}">
-              <a14:hiddenFill xmlns:a14="http://schemas.microsoft.com/office/drawing/2010/main">
-                <a:solidFill>
-                  <a:srgbClr val="FFFFFF"/>
-                </a:solidFill>
-              </a14:hiddenFill>
-            </a:ext>
-            <a:ext uri="{91240B29-F687-4F45-9708-019B960494DF}">
-              <a14:hiddenLine xmlns:a14="http://schemas.microsoft.com/office/drawing/2010/main" w="9525">
-                <a:solidFill>
-                  <a:srgbClr val="000000"/>
-                </a:solidFill>
-                <a:miter lim="800000"/>
-                <a:headEnd/>
-                <a:tailEnd/>
-              </a14:hiddenLine>
-            </a:ext>
-          </a:extLst>
         </p:spPr>
       </p:pic>
     </p:spTree>

--- a/images/rancher-architecture-diagram.pptx
+++ b/images/rancher-architecture-diagram.pptx
@@ -243,7 +243,7 @@
           <a:p>
             <a:fld id="{6244D3B9-4146-964F-9E7E-473F62F24AD4}" type="datetimeFigureOut">
               <a:rPr lang="en-US" smtClean="0"/>
-              <a:t>1/30/2021</a:t>
+              <a:t>2/4/2021</a:t>
             </a:fld>
             <a:endParaRPr lang="en-US"/>
           </a:p>
@@ -413,7 +413,7 @@
           <a:p>
             <a:fld id="{6244D3B9-4146-964F-9E7E-473F62F24AD4}" type="datetimeFigureOut">
               <a:rPr lang="en-US" smtClean="0"/>
-              <a:t>1/30/2021</a:t>
+              <a:t>2/4/2021</a:t>
             </a:fld>
             <a:endParaRPr lang="en-US"/>
           </a:p>
@@ -593,7 +593,7 @@
           <a:p>
             <a:fld id="{6244D3B9-4146-964F-9E7E-473F62F24AD4}" type="datetimeFigureOut">
               <a:rPr lang="en-US" smtClean="0"/>
-              <a:t>1/30/2021</a:t>
+              <a:t>2/4/2021</a:t>
             </a:fld>
             <a:endParaRPr lang="en-US"/>
           </a:p>
@@ -763,7 +763,7 @@
           <a:p>
             <a:fld id="{6244D3B9-4146-964F-9E7E-473F62F24AD4}" type="datetimeFigureOut">
               <a:rPr lang="en-US" smtClean="0"/>
-              <a:t>1/30/2021</a:t>
+              <a:t>2/4/2021</a:t>
             </a:fld>
             <a:endParaRPr lang="en-US"/>
           </a:p>
@@ -1009,7 +1009,7 @@
           <a:p>
             <a:fld id="{6244D3B9-4146-964F-9E7E-473F62F24AD4}" type="datetimeFigureOut">
               <a:rPr lang="en-US" smtClean="0"/>
-              <a:t>1/30/2021</a:t>
+              <a:t>2/4/2021</a:t>
             </a:fld>
             <a:endParaRPr lang="en-US"/>
           </a:p>
@@ -1241,7 +1241,7 @@
           <a:p>
             <a:fld id="{6244D3B9-4146-964F-9E7E-473F62F24AD4}" type="datetimeFigureOut">
               <a:rPr lang="en-US" smtClean="0"/>
-              <a:t>1/30/2021</a:t>
+              <a:t>2/4/2021</a:t>
             </a:fld>
             <a:endParaRPr lang="en-US"/>
           </a:p>
@@ -1608,7 +1608,7 @@
           <a:p>
             <a:fld id="{6244D3B9-4146-964F-9E7E-473F62F24AD4}" type="datetimeFigureOut">
               <a:rPr lang="en-US" smtClean="0"/>
-              <a:t>1/30/2021</a:t>
+              <a:t>2/4/2021</a:t>
             </a:fld>
             <a:endParaRPr lang="en-US"/>
           </a:p>
@@ -1726,7 +1726,7 @@
           <a:p>
             <a:fld id="{6244D3B9-4146-964F-9E7E-473F62F24AD4}" type="datetimeFigureOut">
               <a:rPr lang="en-US" smtClean="0"/>
-              <a:t>1/30/2021</a:t>
+              <a:t>2/4/2021</a:t>
             </a:fld>
             <a:endParaRPr lang="en-US"/>
           </a:p>
@@ -1821,7 +1821,7 @@
           <a:p>
             <a:fld id="{6244D3B9-4146-964F-9E7E-473F62F24AD4}" type="datetimeFigureOut">
               <a:rPr lang="en-US" smtClean="0"/>
-              <a:t>1/30/2021</a:t>
+              <a:t>2/4/2021</a:t>
             </a:fld>
             <a:endParaRPr lang="en-US"/>
           </a:p>
@@ -2098,7 +2098,7 @@
           <a:p>
             <a:fld id="{6244D3B9-4146-964F-9E7E-473F62F24AD4}" type="datetimeFigureOut">
               <a:rPr lang="en-US" smtClean="0"/>
-              <a:t>1/30/2021</a:t>
+              <a:t>2/4/2021</a:t>
             </a:fld>
             <a:endParaRPr lang="en-US"/>
           </a:p>
@@ -2355,7 +2355,7 @@
           <a:p>
             <a:fld id="{6244D3B9-4146-964F-9E7E-473F62F24AD4}" type="datetimeFigureOut">
               <a:rPr lang="en-US" smtClean="0"/>
-              <a:t>1/30/2021</a:t>
+              <a:t>2/4/2021</a:t>
             </a:fld>
             <a:endParaRPr lang="en-US"/>
           </a:p>
@@ -2568,7 +2568,7 @@
           <a:p>
             <a:fld id="{6244D3B9-4146-964F-9E7E-473F62F24AD4}" type="datetimeFigureOut">
               <a:rPr lang="en-US" smtClean="0"/>
-              <a:t>1/30/2021</a:t>
+              <a:t>2/4/2021</a:t>
             </a:fld>
             <a:endParaRPr lang="en-US"/>
           </a:p>
@@ -3778,7 +3778,7 @@
           <a:blip r:embed="rId2">
             <a:extLst>
               <a:ext uri="{96DAC541-7B7A-43D3-8B79-37D633B846F1}">
-                <asvg:svgBlip xmlns="" xmlns:asvg="http://schemas.microsoft.com/office/drawing/2016/SVG/main" r:embed="rId8"/>
+                <asvg:svgBlip xmlns:asvg="http://schemas.microsoft.com/office/drawing/2016/SVG/main" xmlns="" r:embed="rId8"/>
               </a:ext>
             </a:extLst>
           </a:blip>
@@ -3814,7 +3814,7 @@
           <a:blip r:embed="rId9">
             <a:extLst>
               <a:ext uri="{96DAC541-7B7A-43D3-8B79-37D633B846F1}">
-                <asvg:svgBlip xmlns="" xmlns:asvg="http://schemas.microsoft.com/office/drawing/2016/SVG/main" r:embed="rId10"/>
+                <asvg:svgBlip xmlns:asvg="http://schemas.microsoft.com/office/drawing/2016/SVG/main" xmlns="" r:embed="rId10"/>
               </a:ext>
             </a:extLst>
           </a:blip>
@@ -5178,7 +5178,7 @@
         <p:spPr bwMode="auto">
           <a:xfrm>
             <a:off x="9374744" y="5013305"/>
-            <a:ext cx="1945325" cy="523875"/>
+            <a:ext cx="1945325" cy="307777"/>
           </a:xfrm>
           <a:prstGeom prst="rect">
             <a:avLst/>
@@ -5312,24 +5312,26 @@
           <a:p>
             <a:pPr algn="ctr" eaLnBrk="1" hangingPunct="1"/>
             <a:r>
-              <a:rPr lang="en-US" altLang="en-US" sz="1400" dirty="0">
+              <a:rPr lang="en-US" altLang="en-US" sz="1400">
                 <a:latin typeface="Arial" panose="020B0604020202020204" pitchFamily="34" charset="0"/>
                 <a:ea typeface="Amazon Ember" panose="020B0603020204020204" pitchFamily="34" charset="0"/>
                 <a:cs typeface="Arial" panose="020B0604020202020204" pitchFamily="34" charset="0"/>
               </a:rPr>
-              <a:t>Amazon Elastic</a:t>
-            </a:r>
-          </a:p>
-          <a:p>
-            <a:pPr algn="ctr" eaLnBrk="1" hangingPunct="1"/>
-            <a:r>
-              <a:rPr lang="en-US" altLang="en-US" sz="1400" dirty="0">
+              <a:t>Amazon </a:t>
+            </a:r>
+            <a:r>
+              <a:rPr lang="en-US" altLang="en-US" sz="1400" smtClean="0">
                 <a:latin typeface="Arial" panose="020B0604020202020204" pitchFamily="34" charset="0"/>
                 <a:ea typeface="Amazon Ember" panose="020B0603020204020204" pitchFamily="34" charset="0"/>
                 <a:cs typeface="Arial" panose="020B0604020202020204" pitchFamily="34" charset="0"/>
               </a:rPr>
-              <a:t>Container Kubernetes</a:t>
-            </a:r>
+              <a:t>EKS</a:t>
+            </a:r>
+            <a:endParaRPr lang="en-US" altLang="en-US" sz="1400" dirty="0">
+              <a:latin typeface="Arial" panose="020B0604020202020204" pitchFamily="34" charset="0"/>
+              <a:ea typeface="Amazon Ember" panose="020B0603020204020204" pitchFamily="34" charset="0"/>
+              <a:cs typeface="Arial" panose="020B0604020202020204" pitchFamily="34" charset="0"/>
+            </a:endParaRPr>
           </a:p>
         </p:txBody>
       </p:sp>
